--- a/Data Science - Final Project.pptx
+++ b/Data Science - Final Project.pptx
@@ -6,9 +6,10 @@
   </p:sldMasterIdLst>
   <p:sldIdLst>
     <p:sldId id="256" r:id="rId2"/>
-    <p:sldId id="257" r:id="rId3"/>
-    <p:sldId id="258" r:id="rId4"/>
-    <p:sldId id="259" r:id="rId5"/>
+    <p:sldId id="263" r:id="rId3"/>
+    <p:sldId id="257" r:id="rId4"/>
+    <p:sldId id="258" r:id="rId5"/>
+    <p:sldId id="259" r:id="rId6"/>
   </p:sldIdLst>
   <p:sldSz cx="9144000" cy="6858000" type="screen4x3"/>
   <p:notesSz cx="6858000" cy="9144000"/>
@@ -3203,6 +3204,119 @@
       </p:grpSpPr>
       <p:sp>
         <p:nvSpPr>
+          <p:cNvPr id="3" name="Content Placeholder 2"/>
+          <p:cNvSpPr>
+            <a:spLocks noGrp="1"/>
+          </p:cNvSpPr>
+          <p:nvPr>
+            <p:ph idx="1"/>
+          </p:nvPr>
+        </p:nvSpPr>
+        <p:spPr>
+          <a:xfrm>
+            <a:off x="457200" y="698898"/>
+            <a:ext cx="8229600" cy="4525963"/>
+          </a:xfrm>
+        </p:spPr>
+        <p:txBody>
+          <a:bodyPr>
+            <a:normAutofit fontScale="92500" lnSpcReduction="20000"/>
+          </a:bodyPr>
+          <a:lstStyle/>
+          <a:p>
+            <a:pPr marL="0" indent="0">
+              <a:buNone/>
+            </a:pPr>
+            <a:r>
+              <a:rPr lang="en-US" dirty="0" smtClean="0"/>
+              <a:t>Background:</a:t>
+            </a:r>
+          </a:p>
+          <a:p>
+            <a:pPr marL="0" indent="0">
+              <a:buNone/>
+            </a:pPr>
+            <a:endParaRPr lang="en-US" dirty="0" smtClean="0"/>
+          </a:p>
+          <a:p>
+            <a:pPr marL="0" indent="0">
+              <a:buNone/>
+            </a:pPr>
+            <a:r>
+              <a:rPr lang="en-US" dirty="0" smtClean="0"/>
+              <a:t>Kiva is a non-profit that allows people to lend money via the Internet to low-income entrepreneurs and students in over 80 countries.</a:t>
+            </a:r>
+          </a:p>
+          <a:p>
+            <a:pPr marL="0" indent="0">
+              <a:buNone/>
+            </a:pPr>
+            <a:endParaRPr lang="en-US" dirty="0" smtClean="0"/>
+          </a:p>
+          <a:p>
+            <a:pPr marL="0" indent="0">
+              <a:buNone/>
+            </a:pPr>
+            <a:r>
+              <a:rPr lang="en-US" dirty="0" smtClean="0"/>
+              <a:t>Hypothesis:</a:t>
+            </a:r>
+          </a:p>
+          <a:p>
+            <a:pPr marL="0" indent="0">
+              <a:buNone/>
+            </a:pPr>
+            <a:endParaRPr lang="en-US" dirty="0" smtClean="0"/>
+          </a:p>
+          <a:p>
+            <a:pPr marL="0" indent="0">
+              <a:buNone/>
+            </a:pPr>
+            <a:r>
+              <a:rPr lang="en-US" b="1" dirty="0" smtClean="0"/>
+              <a:t>Can we predict how many days it will take for a loan to get funded on Kiva?</a:t>
+            </a:r>
+          </a:p>
+          <a:p>
+            <a:endParaRPr lang="en-US" dirty="0" smtClean="0"/>
+          </a:p>
+          <a:p>
+            <a:endParaRPr lang="en-US" dirty="0"/>
+          </a:p>
+        </p:txBody>
+      </p:sp>
+    </p:spTree>
+    <p:extLst>
+      <p:ext uri="{BB962C8B-B14F-4D97-AF65-F5344CB8AC3E}">
+        <p14:creationId xmlns:p14="http://schemas.microsoft.com/office/powerpoint/2010/main" val="893276910"/>
+      </p:ext>
+    </p:extLst>
+  </p:cSld>
+  <p:clrMapOvr>
+    <a:masterClrMapping/>
+  </p:clrMapOvr>
+</p:sld>
+</file>
+
+<file path=ppt/slides/slide3.xml><?xml version="1.0" encoding="utf-8"?>
+<p:sld xmlns:a="http://schemas.openxmlformats.org/drawingml/2006/main" xmlns:r="http://schemas.openxmlformats.org/officeDocument/2006/relationships" xmlns:p="http://schemas.openxmlformats.org/presentationml/2006/main">
+  <p:cSld>
+    <p:spTree>
+      <p:nvGrpSpPr>
+        <p:cNvPr id="1" name=""/>
+        <p:cNvGrpSpPr/>
+        <p:nvPr/>
+      </p:nvGrpSpPr>
+      <p:grpSpPr>
+        <a:xfrm>
+          <a:off x="0" y="0"/>
+          <a:ext cx="0" cy="0"/>
+          <a:chOff x="0" y="0"/>
+          <a:chExt cx="0" cy="0"/>
+        </a:xfrm>
+      </p:grpSpPr>
+      <p:sp>
+        <p:nvSpPr>
           <p:cNvPr id="2" name="Title 1"/>
           <p:cNvSpPr>
             <a:spLocks noGrp="1"/>
@@ -3214,13 +3328,13 @@
         <p:spPr/>
         <p:txBody>
           <a:bodyPr>
-            <a:normAutofit fontScale="90000"/>
+            <a:normAutofit/>
           </a:bodyPr>
           <a:lstStyle/>
           <a:p>
             <a:r>
               <a:rPr lang="en-US" dirty="0" smtClean="0"/>
-              <a:t>Can we predict how many days it will take for a loan to get funded on Kiva?</a:t>
+              <a:t>Data in the models</a:t>
             </a:r>
             <a:endParaRPr lang="en-US" dirty="0"/>
           </a:p>
@@ -3234,8 +3348,8 @@
         </p:nvSpPr>
         <p:spPr>
           <a:xfrm>
-            <a:off x="457200" y="1864897"/>
-            <a:ext cx="8229600" cy="3139321"/>
+            <a:off x="457200" y="1413830"/>
+            <a:ext cx="8229600" cy="5078314"/>
           </a:xfrm>
           <a:prstGeom prst="rect">
             <a:avLst/>
@@ -3249,7 +3363,24 @@
           <a:lstStyle/>
           <a:p>
             <a:r>
-              <a:rPr lang="en-US" dirty="0" smtClean="0"/>
+              <a:rPr lang="en-US" dirty="0">
+                <a:cs typeface="Calibri"/>
+              </a:rPr>
+              <a:t>The model is using a sample set of 1000 loans.</a:t>
+            </a:r>
+          </a:p>
+          <a:p>
+            <a:endParaRPr lang="en-US" dirty="0">
+              <a:latin typeface="Calibri"/>
+              <a:cs typeface="Calibri"/>
+            </a:endParaRPr>
+          </a:p>
+          <a:p>
+            <a:r>
+              <a:rPr lang="en-US" dirty="0" smtClean="0">
+                <a:latin typeface="Calibri"/>
+                <a:cs typeface="Calibri"/>
+              </a:rPr>
               <a:t>Featured Columns:</a:t>
             </a:r>
           </a:p>
@@ -3259,7 +3390,10 @@
               <a:buChar char="-"/>
             </a:pPr>
             <a:r>
-              <a:rPr lang="en-US" dirty="0" smtClean="0"/>
+              <a:rPr lang="en-US" dirty="0" smtClean="0">
+                <a:latin typeface="Calibri"/>
+                <a:cs typeface="Calibri"/>
+              </a:rPr>
               <a:t>Loan amount</a:t>
             </a:r>
           </a:p>
@@ -3269,7 +3403,10 @@
               <a:buChar char="-"/>
             </a:pPr>
             <a:r>
-              <a:rPr lang="en-US" dirty="0" smtClean="0"/>
+              <a:rPr lang="en-US" dirty="0" smtClean="0">
+                <a:latin typeface="Calibri"/>
+                <a:cs typeface="Calibri"/>
+              </a:rPr>
               <a:t>Repayment terms (in months)</a:t>
             </a:r>
           </a:p>
@@ -3279,7 +3416,10 @@
               <a:buChar char="-"/>
             </a:pPr>
             <a:r>
-              <a:rPr lang="en-US" dirty="0" smtClean="0"/>
+              <a:rPr lang="en-US" dirty="0" smtClean="0">
+                <a:latin typeface="Calibri"/>
+                <a:cs typeface="Calibri"/>
+              </a:rPr>
               <a:t>Sector (Agriculture, Arts, Clothing, Construction, Education, Food, Health, Housing, Manufacturing, Personal Use, Retail, Services, Transportation, Wholesale)</a:t>
             </a:r>
           </a:p>
@@ -3289,36 +3429,108 @@
               <a:buChar char="-"/>
             </a:pPr>
             <a:r>
-              <a:rPr lang="en-US" dirty="0" smtClean="0"/>
+              <a:rPr lang="en-US" dirty="0" smtClean="0">
+                <a:latin typeface="Calibri"/>
+                <a:cs typeface="Calibri"/>
+              </a:rPr>
               <a:t> Country (36 countries)</a:t>
             </a:r>
           </a:p>
           <a:p>
-            <a:endParaRPr lang="en-US" dirty="0" smtClean="0"/>
-          </a:p>
-          <a:p>
-            <a:endParaRPr lang="en-US" dirty="0"/>
-          </a:p>
-          <a:p>
-            <a:r>
-              <a:rPr lang="en-US" dirty="0" smtClean="0"/>
+            <a:endParaRPr lang="en-US" dirty="0" smtClean="0">
+              <a:latin typeface="Calibri"/>
+              <a:cs typeface="Calibri"/>
+            </a:endParaRPr>
+          </a:p>
+          <a:p>
+            <a:r>
+              <a:rPr lang="en-US" dirty="0" smtClean="0">
+                <a:latin typeface="Calibri"/>
+                <a:cs typeface="Calibri"/>
+              </a:rPr>
+              <a:t>Looking to predict the number of days to fund loan. Metrics for days to fund loan:</a:t>
+            </a:r>
+          </a:p>
+          <a:p>
+            <a:r>
+              <a:rPr lang="mr-IN" dirty="0" smtClean="0">
+                <a:latin typeface="Calibri"/>
+                <a:cs typeface="Calibri"/>
+              </a:rPr>
+              <a:t>mean      8 days 06:07:07.472000</a:t>
+            </a:r>
+          </a:p>
+          <a:p>
+            <a:r>
+              <a:rPr lang="mr-IN" dirty="0" smtClean="0">
+                <a:latin typeface="Calibri"/>
+                <a:cs typeface="Calibri"/>
+              </a:rPr>
+              <a:t>std      11 days 08:05:18.560925</a:t>
+            </a:r>
+          </a:p>
+          <a:p>
+            <a:r>
+              <a:rPr lang="mr-IN" dirty="0" smtClean="0">
+                <a:latin typeface="Calibri"/>
+                <a:cs typeface="Calibri"/>
+              </a:rPr>
+              <a:t>min              0 days 00:43:32</a:t>
+            </a:r>
+          </a:p>
+          <a:p>
+            <a:r>
+              <a:rPr lang="mr-IN" dirty="0" smtClean="0">
+                <a:latin typeface="Calibri"/>
+                <a:cs typeface="Calibri"/>
+              </a:rPr>
+              <a:t>max            116 days 12:42:43</a:t>
+            </a:r>
+            <a:endParaRPr lang="en-US" dirty="0">
+              <a:latin typeface="Calibri"/>
+              <a:cs typeface="Calibri"/>
+            </a:endParaRPr>
+          </a:p>
+          <a:p>
+            <a:endParaRPr lang="en-US" dirty="0">
+              <a:latin typeface="Calibri"/>
+              <a:cs typeface="Calibri"/>
+            </a:endParaRPr>
+          </a:p>
+          <a:p>
+            <a:r>
+              <a:rPr lang="en-US" dirty="0" smtClean="0">
+                <a:latin typeface="Calibri"/>
+                <a:cs typeface="Calibri"/>
+              </a:rPr>
               <a:t>Data is from </a:t>
             </a:r>
             <a:r>
-              <a:rPr lang="en-US" dirty="0" err="1" smtClean="0"/>
+              <a:rPr lang="en-US" dirty="0" err="1" smtClean="0">
+                <a:latin typeface="Calibri"/>
+                <a:cs typeface="Calibri"/>
+              </a:rPr>
               <a:t>Kaggle</a:t>
             </a:r>
             <a:r>
-              <a:rPr lang="en-US" dirty="0" smtClean="0"/>
+              <a:rPr lang="en-US" dirty="0" smtClean="0">
+                <a:latin typeface="Calibri"/>
+                <a:cs typeface="Calibri"/>
+              </a:rPr>
               <a:t>: </a:t>
             </a:r>
             <a:r>
               <a:rPr lang="en-US" dirty="0" smtClean="0">
+                <a:latin typeface="Calibri"/>
+                <a:cs typeface="Calibri"/>
                 <a:hlinkClick r:id="rId2"/>
               </a:rPr>
               <a:t>https://www.kaggle.com/kiva/data-science-for-good-kiva-crowdfunding#loan_themes_by_region.csv</a:t>
             </a:r>
-            <a:endParaRPr lang="en-US" dirty="0" smtClean="0"/>
+            <a:endParaRPr lang="en-US" dirty="0" smtClean="0">
+              <a:latin typeface="Calibri"/>
+              <a:cs typeface="Calibri"/>
+            </a:endParaRPr>
           </a:p>
         </p:txBody>
       </p:sp>
@@ -3335,7 +3547,7 @@
 </p:sld>
 </file>
 
-<file path=ppt/slides/slide3.xml><?xml version="1.0" encoding="utf-8"?>
+<file path=ppt/slides/slide4.xml><?xml version="1.0" encoding="utf-8"?>
 <p:sld xmlns:a="http://schemas.openxmlformats.org/drawingml/2006/main" xmlns:r="http://schemas.openxmlformats.org/officeDocument/2006/relationships" xmlns:p="http://schemas.openxmlformats.org/presentationml/2006/main">
   <p:cSld>
     <p:spTree>
@@ -3443,7 +3655,7 @@
 </p:sld>
 </file>
 
-<file path=ppt/slides/slide4.xml><?xml version="1.0" encoding="utf-8"?>
+<file path=ppt/slides/slide5.xml><?xml version="1.0" encoding="utf-8"?>
 <p:sld xmlns:a="http://schemas.openxmlformats.org/drawingml/2006/main" xmlns:r="http://schemas.openxmlformats.org/officeDocument/2006/relationships" xmlns:p="http://schemas.openxmlformats.org/presentationml/2006/main">
   <p:cSld>
     <p:spTree>
@@ -3477,7 +3689,7 @@
           <a:p>
             <a:r>
               <a:rPr lang="en-US" dirty="0" smtClean="0"/>
-              <a:t>Models</a:t>
+              <a:t>Models and Evaluations</a:t>
             </a:r>
             <a:endParaRPr lang="en-US" dirty="0"/>
           </a:p>
